--- a/documentation/project_update.pptx
+++ b/documentation/project_update.pptx
@@ -10,12 +10,13 @@
     <p:sldId id="258" r:id="rId4"/>
     <p:sldId id="259" r:id="rId5"/>
     <p:sldId id="260" r:id="rId6"/>
-    <p:sldId id="265" r:id="rId7"/>
-    <p:sldId id="261" r:id="rId8"/>
-    <p:sldId id="262" r:id="rId9"/>
-    <p:sldId id="263" r:id="rId10"/>
-    <p:sldId id="264" r:id="rId11"/>
-    <p:sldId id="266" r:id="rId12"/>
+    <p:sldId id="268" r:id="rId7"/>
+    <p:sldId id="265" r:id="rId8"/>
+    <p:sldId id="261" r:id="rId9"/>
+    <p:sldId id="262" r:id="rId10"/>
+    <p:sldId id="263" r:id="rId11"/>
+    <p:sldId id="264" r:id="rId12"/>
+    <p:sldId id="266" r:id="rId13"/>
   </p:sldIdLst>
   <p:sldSz cx="12192000" cy="6858000"/>
   <p:notesSz cx="6858000" cy="9144000"/>
@@ -114,6 +115,11 @@
       </a:defRPr>
     </a:lvl9pPr>
   </p:defaultTextStyle>
+  <p:extLst>
+    <p:ext uri="{EFAFB233-063F-42B5-8137-9DF3F51BA10A}">
+      <p15:sldGuideLst xmlns:p15="http://schemas.microsoft.com/office/powerpoint/2012/main"/>
+    </p:ext>
+  </p:extLst>
 </p:presentation>
 </file>
 
@@ -287,7 +293,7 @@
             <a:fld id="{5923F103-BC34-4FE4-A40E-EDDEECFDA5D0}" type="datetimeFigureOut">
               <a:rPr lang="en-US" smtClean="0"/>
               <a:pPr/>
-              <a:t>10/10/18</a:t>
+              <a:t>10/11/18</a:t>
             </a:fld>
             <a:endParaRPr lang="en-US" dirty="0"/>
           </a:p>
@@ -618,7 +624,7 @@
           <a:p>
             <a:fld id="{53086D93-FCAC-47E0-A2EE-787E62CA814C}" type="datetimeFigureOut">
               <a:rPr lang="en-US" smtClean="0"/>
-              <a:t>10/10/18</a:t>
+              <a:t>10/11/18</a:t>
             </a:fld>
             <a:endParaRPr lang="en-US" dirty="0"/>
           </a:p>
@@ -799,7 +805,7 @@
           <a:p>
             <a:fld id="{CDA879A6-0FD0-4734-A311-86BFCA472E6E}" type="datetimeFigureOut">
               <a:rPr lang="en-US" smtClean="0"/>
-              <a:t>10/10/18</a:t>
+              <a:t>10/11/18</a:t>
             </a:fld>
             <a:endParaRPr lang="en-US" dirty="0"/>
           </a:p>
@@ -970,7 +976,7 @@
           <a:p>
             <a:fld id="{19C9CA7B-DFD4-44B5-8C60-D14B8CD1FB59}" type="datetimeFigureOut">
               <a:rPr lang="en-US" smtClean="0"/>
-              <a:t>10/10/18</a:t>
+              <a:t>10/11/18</a:t>
             </a:fld>
             <a:endParaRPr lang="en-US" dirty="0"/>
           </a:p>
@@ -1248,7 +1254,7 @@
           <a:p>
             <a:fld id="{F34E6425-0181-43F2-84FC-787E803FD2F8}" type="datetimeFigureOut">
               <a:rPr lang="en-US" smtClean="0"/>
-              <a:t>10/10/18</a:t>
+              <a:t>10/11/18</a:t>
             </a:fld>
             <a:endParaRPr lang="en-US" dirty="0"/>
           </a:p>
@@ -1643,7 +1649,7 @@
           <a:p>
             <a:fld id="{3BDB8791-F1B0-41E7-B7FD-A781E65C4266}" type="datetimeFigureOut">
               <a:rPr lang="en-US" smtClean="0"/>
-              <a:t>10/10/18</a:t>
+              <a:t>10/11/18</a:t>
             </a:fld>
             <a:endParaRPr lang="en-US" dirty="0"/>
           </a:p>
@@ -2126,7 +2132,7 @@
           <a:p>
             <a:fld id="{5FDD63B2-E120-4ED8-B27B-C685F510A5FE}" type="datetimeFigureOut">
               <a:rPr lang="en-US" smtClean="0"/>
-              <a:t>10/10/18</a:t>
+              <a:t>10/11/18</a:t>
             </a:fld>
             <a:endParaRPr lang="en-US" dirty="0"/>
           </a:p>
@@ -2250,7 +2256,7 @@
           <a:p>
             <a:fld id="{7AA18ACC-A947-437B-A130-35BD54FDF1E9}" type="datetimeFigureOut">
               <a:rPr lang="en-US" smtClean="0"/>
-              <a:t>10/10/18</a:t>
+              <a:t>10/11/18</a:t>
             </a:fld>
             <a:endParaRPr lang="en-US" dirty="0"/>
           </a:p>
@@ -2346,7 +2352,7 @@
           <a:p>
             <a:fld id="{7C8D7E02-BCB8-4D50-A234-369438C08659}" type="datetimeFigureOut">
               <a:rPr lang="en-US" smtClean="0"/>
-              <a:t>10/10/18</a:t>
+              <a:t>10/11/18</a:t>
             </a:fld>
             <a:endParaRPr lang="en-US" dirty="0"/>
           </a:p>
@@ -2693,7 +2699,7 @@
           <a:p>
             <a:fld id="{76E86A4C-8E40-4F87-A4F0-01A0687C5742}" type="datetimeFigureOut">
               <a:rPr lang="en-US" smtClean="0"/>
-              <a:t>10/10/18</a:t>
+              <a:t>10/11/18</a:t>
             </a:fld>
             <a:endParaRPr lang="en-US" dirty="0"/>
           </a:p>
@@ -3087,7 +3093,7 @@
           <a:p>
             <a:fld id="{35E72C73-2D91-4E12-BA25-F0AA0C03599B}" type="datetimeFigureOut">
               <a:rPr lang="en-US" smtClean="0"/>
-              <a:t>10/10/18</a:t>
+              <a:t>10/11/18</a:t>
             </a:fld>
             <a:endParaRPr lang="en-US" dirty="0"/>
           </a:p>
@@ -3366,7 +3372,7 @@
           <a:p>
             <a:fld id="{2BE451C3-0FF4-47C4-B829-773ADF60F88C}" type="datetimeFigureOut">
               <a:rPr lang="en-US" smtClean="0"/>
-              <a:t>10/10/18</a:t>
+              <a:t>10/11/18</a:t>
             </a:fld>
             <a:endParaRPr lang="en-US" dirty="0"/>
           </a:p>
@@ -3988,6 +3994,88 @@
           <a:p>
             <a:r>
               <a:rPr lang="en-US" dirty="0" smtClean="0"/>
+              <a:t>Offensive Gabs</a:t>
+            </a:r>
+            <a:endParaRPr lang="en-US" dirty="0"/>
+          </a:p>
+        </p:txBody>
+      </p:sp>
+      <p:pic>
+        <p:nvPicPr>
+          <p:cNvPr id="4" name="Content Placeholder 3"/>
+          <p:cNvPicPr>
+            <a:picLocks noGrp="1" noChangeAspect="1"/>
+          </p:cNvPicPr>
+          <p:nvPr>
+            <p:ph idx="1"/>
+          </p:nvPr>
+        </p:nvPicPr>
+        <p:blipFill>
+          <a:blip r:embed="rId2">
+            <a:extLst>
+              <a:ext uri="{28A0092B-C50C-407E-A947-70E740481C1C}">
+                <a14:useLocalDpi xmlns:a14="http://schemas.microsoft.com/office/drawing/2010/main" val="0"/>
+              </a:ext>
+            </a:extLst>
+          </a:blip>
+          <a:stretch>
+            <a:fillRect/>
+          </a:stretch>
+        </p:blipFill>
+        <p:spPr>
+          <a:xfrm>
+            <a:off x="1995898" y="1323911"/>
+            <a:ext cx="9223482" cy="5534089"/>
+          </a:xfrm>
+        </p:spPr>
+      </p:pic>
+    </p:spTree>
+    <p:extLst>
+      <p:ext uri="{BB962C8B-B14F-4D97-AF65-F5344CB8AC3E}">
+        <p14:creationId xmlns:p14="http://schemas.microsoft.com/office/powerpoint/2010/main" val="993522769"/>
+      </p:ext>
+    </p:extLst>
+  </p:cSld>
+  <p:clrMapOvr>
+    <a:masterClrMapping/>
+  </p:clrMapOvr>
+</p:sld>
+</file>
+
+<file path=ppt/slides/slide11.xml><?xml version="1.0" encoding="utf-8"?>
+<p:sld xmlns:a="http://schemas.openxmlformats.org/drawingml/2006/main" xmlns:r="http://schemas.openxmlformats.org/officeDocument/2006/relationships" xmlns:p="http://schemas.openxmlformats.org/presentationml/2006/main">
+  <p:cSld>
+    <p:spTree>
+      <p:nvGrpSpPr>
+        <p:cNvPr id="1" name=""/>
+        <p:cNvGrpSpPr/>
+        <p:nvPr/>
+      </p:nvGrpSpPr>
+      <p:grpSpPr>
+        <a:xfrm>
+          <a:off x="0" y="0"/>
+          <a:ext cx="0" cy="0"/>
+          <a:chOff x="0" y="0"/>
+          <a:chExt cx="0" cy="0"/>
+        </a:xfrm>
+      </p:grpSpPr>
+      <p:sp>
+        <p:nvSpPr>
+          <p:cNvPr id="2" name="Title 1"/>
+          <p:cNvSpPr>
+            <a:spLocks noGrp="1"/>
+          </p:cNvSpPr>
+          <p:nvPr>
+            <p:ph type="title"/>
+          </p:nvPr>
+        </p:nvSpPr>
+        <p:spPr/>
+        <p:txBody>
+          <a:bodyPr/>
+          <a:lstStyle/>
+          <a:p>
+            <a:r>
+              <a:rPr lang="en-US" dirty="0" smtClean="0"/>
               <a:t>Offensive Words</a:t>
             </a:r>
             <a:endParaRPr lang="en-US" dirty="0"/>
@@ -4036,7 +4124,7 @@
 </p:sld>
 </file>
 
-<file path=ppt/slides/slide11.xml><?xml version="1.0" encoding="utf-8"?>
+<file path=ppt/slides/slide12.xml><?xml version="1.0" encoding="utf-8"?>
 <p:sld xmlns:a="http://schemas.openxmlformats.org/drawingml/2006/main" xmlns:r="http://schemas.openxmlformats.org/officeDocument/2006/relationships" xmlns:p="http://schemas.openxmlformats.org/presentationml/2006/main">
   <p:cSld>
     <p:spTree>
@@ -4509,43 +4597,58 @@
             <p:ph idx="1"/>
           </p:nvPr>
         </p:nvSpPr>
-        <p:spPr/>
+        <p:spPr>
+          <a:xfrm>
+            <a:off x="1371600" y="1885308"/>
+            <a:ext cx="9601200" cy="3581400"/>
+          </a:xfrm>
+        </p:spPr>
         <p:txBody>
           <a:bodyPr/>
           <a:lstStyle/>
           <a:p>
             <a:r>
               <a:rPr lang="en-US" dirty="0" smtClean="0"/>
-              <a:t>Surprisingly, only ~10% of Gabs collected were offensive / hateful in nature</a:t>
-            </a:r>
-          </a:p>
-          <a:p>
+              <a:t>Surprisingly, only ~10% of Gabs collected were offensive / hateful in </a:t>
+            </a:r>
             <a:r>
               <a:rPr lang="en-US" dirty="0" smtClean="0"/>
-              <a:t>0.87% of posts are hate posts</a:t>
-            </a:r>
-          </a:p>
-          <a:p>
-            <a:r>
-              <a:rPr lang="en-US" dirty="0" smtClean="0"/>
-              <a:t>8.1% of posts are offensive</a:t>
-            </a:r>
-          </a:p>
-          <a:p>
-            <a:r>
-              <a:rPr lang="en-US" dirty="0" smtClean="0"/>
-              <a:t>91% are neither hateful nor offensive</a:t>
-            </a:r>
-          </a:p>
-          <a:p>
-            <a:r>
-              <a:rPr lang="en-US" dirty="0" smtClean="0"/>
-              <a:t>However, the hateful and offensive posts are very gruesome, unlike on other OSM</a:t>
-            </a:r>
-            <a:endParaRPr lang="en-US" dirty="0"/>
-          </a:p>
-        </p:txBody>
-      </p:sp>
+              <a:t>nature</a:t>
+            </a:r>
+            <a:endParaRPr lang="en-US" dirty="0" smtClean="0"/>
+          </a:p>
+        </p:txBody>
+      </p:sp>
+      <p:pic>
+        <p:nvPicPr>
+          <p:cNvPr id="4" name="Picture 3"/>
+          <p:cNvPicPr>
+            <a:picLocks noChangeAspect="1"/>
+          </p:cNvPicPr>
+          <p:nvPr/>
+        </p:nvPicPr>
+        <p:blipFill>
+          <a:blip r:embed="rId2">
+            <a:extLst>
+              <a:ext uri="{28A0092B-C50C-407E-A947-70E740481C1C}">
+                <a14:useLocalDpi xmlns:a14="http://schemas.microsoft.com/office/drawing/2010/main" val="0"/>
+              </a:ext>
+            </a:extLst>
+          </a:blip>
+          <a:stretch>
+            <a:fillRect/>
+          </a:stretch>
+        </p:blipFill>
+        <p:spPr>
+          <a:xfrm>
+            <a:off x="3135929" y="2171700"/>
+            <a:ext cx="6072541" cy="4554406"/>
+          </a:xfrm>
+          <a:prstGeom prst="rect">
+            <a:avLst/>
+          </a:prstGeom>
+        </p:spPr>
+      </p:pic>
     </p:spTree>
     <p:extLst>
       <p:ext uri="{BB962C8B-B14F-4D97-AF65-F5344CB8AC3E}">
@@ -4600,6 +4703,579 @@
           <a:p>
             <a:r>
               <a:rPr lang="en-US" dirty="0" smtClean="0"/>
+              <a:t>Popular hate bigrams and trigrams</a:t>
+            </a:r>
+            <a:endParaRPr lang="en-US" dirty="0"/>
+          </a:p>
+        </p:txBody>
+      </p:sp>
+      <p:graphicFrame>
+        <p:nvGraphicFramePr>
+          <p:cNvPr id="4" name="Content Placeholder 3"/>
+          <p:cNvGraphicFramePr>
+            <a:graphicFrameLocks noGrp="1"/>
+          </p:cNvGraphicFramePr>
+          <p:nvPr>
+            <p:ph idx="1"/>
+            <p:extLst>
+              <p:ext uri="{D42A27DB-BD31-4B8C-83A1-F6EECF244321}">
+                <p14:modId xmlns:p14="http://schemas.microsoft.com/office/powerpoint/2010/main" val="593426052"/>
+              </p:ext>
+            </p:extLst>
+          </p:nvPr>
+        </p:nvGraphicFramePr>
+        <p:xfrm>
+          <a:off x="1371600" y="2286000"/>
+          <a:ext cx="9601200" cy="3708400"/>
+        </p:xfrm>
+        <a:graphic>
+          <a:graphicData uri="http://schemas.openxmlformats.org/drawingml/2006/table">
+            <a:tbl>
+              <a:tblPr firstRow="1" bandRow="1">
+                <a:tableStyleId>{0505E3EF-67EA-436B-97B2-0124C06EBD24}</a:tableStyleId>
+              </a:tblPr>
+              <a:tblGrid>
+                <a:gridCol w="4800600"/>
+                <a:gridCol w="4800600"/>
+              </a:tblGrid>
+              <a:tr h="370840">
+                <a:tc>
+                  <a:txBody>
+                    <a:bodyPr/>
+                    <a:lstStyle/>
+                    <a:p>
+                      <a:pPr marL="0" marR="0" indent="0" algn="ctr" defTabSz="914400" rtl="0" eaLnBrk="1" fontAlgn="auto" latinLnBrk="0" hangingPunct="1">
+                        <a:lnSpc>
+                          <a:spcPct val="100000"/>
+                        </a:lnSpc>
+                        <a:spcBef>
+                          <a:spcPts val="0"/>
+                        </a:spcBef>
+                        <a:spcAft>
+                          <a:spcPts val="0"/>
+                        </a:spcAft>
+                        <a:buClrTx/>
+                        <a:buSzTx/>
+                        <a:buFontTx/>
+                        <a:buNone/>
+                        <a:tabLst/>
+                        <a:defRPr/>
+                      </a:pPr>
+                      <a:r>
+                        <a:rPr lang="en-US" dirty="0" smtClean="0"/>
+                        <a:t>nigger nigger</a:t>
+                      </a:r>
+                    </a:p>
+                  </a:txBody>
+                  <a:tcPr/>
+                </a:tc>
+                <a:tc>
+                  <a:txBody>
+                    <a:bodyPr/>
+                    <a:lstStyle/>
+                    <a:p>
+                      <a:pPr algn="ctr"/>
+                      <a:r>
+                        <a:rPr lang="en-US" dirty="0" smtClean="0"/>
+                        <a:t>nigger nigger nigger</a:t>
+                      </a:r>
+                    </a:p>
+                  </a:txBody>
+                  <a:tcPr/>
+                </a:tc>
+              </a:tr>
+              <a:tr h="370840">
+                <a:tc>
+                  <a:txBody>
+                    <a:bodyPr/>
+                    <a:lstStyle/>
+                    <a:p>
+                      <a:pPr marL="0" marR="0" indent="0" algn="ctr" defTabSz="914400" rtl="0" eaLnBrk="1" fontAlgn="auto" latinLnBrk="0" hangingPunct="1">
+                        <a:lnSpc>
+                          <a:spcPct val="100000"/>
+                        </a:lnSpc>
+                        <a:spcBef>
+                          <a:spcPts val="0"/>
+                        </a:spcBef>
+                        <a:spcAft>
+                          <a:spcPts val="0"/>
+                        </a:spcAft>
+                        <a:buClrTx/>
+                        <a:buSzTx/>
+                        <a:buFontTx/>
+                        <a:buNone/>
+                        <a:tabLst/>
+                        <a:defRPr/>
+                      </a:pPr>
+                      <a:r>
+                        <a:rPr lang="en-US" dirty="0" smtClean="0"/>
+                        <a:t>white people</a:t>
+                      </a:r>
+                    </a:p>
+                  </a:txBody>
+                  <a:tcPr/>
+                </a:tc>
+                <a:tc>
+                  <a:txBody>
+                    <a:bodyPr/>
+                    <a:lstStyle/>
+                    <a:p>
+                      <a:pPr algn="ctr"/>
+                      <a:r>
+                        <a:rPr lang="en-US" dirty="0" smtClean="0"/>
+                        <a:t>every white person</a:t>
+                      </a:r>
+                    </a:p>
+                  </a:txBody>
+                  <a:tcPr/>
+                </a:tc>
+              </a:tr>
+              <a:tr h="370840">
+                <a:tc>
+                  <a:txBody>
+                    <a:bodyPr/>
+                    <a:lstStyle/>
+                    <a:p>
+                      <a:pPr algn="ctr"/>
+                      <a:r>
+                        <a:rPr lang="en-US" dirty="0" smtClean="0"/>
+                        <a:t>white person</a:t>
+                      </a:r>
+                    </a:p>
+                  </a:txBody>
+                  <a:tcPr/>
+                </a:tc>
+                <a:tc>
+                  <a:txBody>
+                    <a:bodyPr/>
+                    <a:lstStyle/>
+                    <a:p>
+                      <a:pPr algn="ctr"/>
+                      <a:r>
+                        <a:rPr lang="en-US" dirty="0" smtClean="0"/>
+                        <a:t>white person </a:t>
+                      </a:r>
+                      <a:r>
+                        <a:rPr lang="en-US" dirty="0" err="1" smtClean="0"/>
+                        <a:t>i</a:t>
+                      </a:r>
+                      <a:endParaRPr lang="en-US" dirty="0" smtClean="0"/>
+                    </a:p>
+                  </a:txBody>
+                  <a:tcPr/>
+                </a:tc>
+              </a:tr>
+              <a:tr h="370840">
+                <a:tc>
+                  <a:txBody>
+                    <a:bodyPr/>
+                    <a:lstStyle/>
+                    <a:p>
+                      <a:pPr marL="0" marR="0" indent="0" algn="ctr" defTabSz="914400" rtl="0" eaLnBrk="1" fontAlgn="auto" latinLnBrk="0" hangingPunct="1">
+                        <a:lnSpc>
+                          <a:spcPct val="100000"/>
+                        </a:lnSpc>
+                        <a:spcBef>
+                          <a:spcPts val="0"/>
+                        </a:spcBef>
+                        <a:spcAft>
+                          <a:spcPts val="0"/>
+                        </a:spcAft>
+                        <a:buClrTx/>
+                        <a:buSzTx/>
+                        <a:buFontTx/>
+                        <a:buNone/>
+                        <a:tabLst/>
+                        <a:defRPr/>
+                      </a:pPr>
+                      <a:r>
+                        <a:rPr lang="en-US" dirty="0" smtClean="0"/>
+                        <a:t>every white</a:t>
+                      </a:r>
+                    </a:p>
+                  </a:txBody>
+                  <a:tcPr/>
+                </a:tc>
+                <a:tc>
+                  <a:txBody>
+                    <a:bodyPr/>
+                    <a:lstStyle/>
+                    <a:p>
+                      <a:pPr algn="ctr"/>
+                      <a:r>
+                        <a:rPr lang="en-US" dirty="0" smtClean="0"/>
+                        <a:t>person </a:t>
+                      </a:r>
+                      <a:r>
+                        <a:rPr lang="en-US" dirty="0" err="1" smtClean="0"/>
+                        <a:t>i</a:t>
+                      </a:r>
+                      <a:r>
+                        <a:rPr lang="en-US" dirty="0" smtClean="0"/>
+                        <a:t> disagree</a:t>
+                      </a:r>
+                    </a:p>
+                  </a:txBody>
+                  <a:tcPr/>
+                </a:tc>
+              </a:tr>
+              <a:tr h="370840">
+                <a:tc>
+                  <a:txBody>
+                    <a:bodyPr/>
+                    <a:lstStyle/>
+                    <a:p>
+                      <a:pPr marL="0" marR="0" indent="0" algn="ctr" defTabSz="914400" rtl="0" eaLnBrk="1" fontAlgn="auto" latinLnBrk="0" hangingPunct="1">
+                        <a:lnSpc>
+                          <a:spcPct val="100000"/>
+                        </a:lnSpc>
+                        <a:spcBef>
+                          <a:spcPts val="0"/>
+                        </a:spcBef>
+                        <a:spcAft>
+                          <a:spcPts val="0"/>
+                        </a:spcAft>
+                        <a:buClrTx/>
+                        <a:buSzTx/>
+                        <a:buFontTx/>
+                        <a:buNone/>
+                        <a:tabLst/>
+                        <a:defRPr/>
+                      </a:pPr>
+                      <a:r>
+                        <a:rPr lang="en-US" dirty="0" err="1" smtClean="0"/>
+                        <a:t>i</a:t>
+                      </a:r>
+                      <a:r>
+                        <a:rPr lang="en-US" dirty="0" smtClean="0"/>
+                        <a:t> disagree</a:t>
+                      </a:r>
+                    </a:p>
+                  </a:txBody>
+                  <a:tcPr/>
+                </a:tc>
+                <a:tc>
+                  <a:txBody>
+                    <a:bodyPr/>
+                    <a:lstStyle/>
+                    <a:p>
+                      <a:pPr algn="ctr"/>
+                      <a:r>
+                        <a:rPr lang="en-US" dirty="0" smtClean="0"/>
+                        <a:t>only white countries</a:t>
+                      </a:r>
+                    </a:p>
+                  </a:txBody>
+                  <a:tcPr/>
+                </a:tc>
+              </a:tr>
+              <a:tr h="370840">
+                <a:tc>
+                  <a:txBody>
+                    <a:bodyPr/>
+                    <a:lstStyle/>
+                    <a:p>
+                      <a:pPr marL="0" marR="0" indent="0" algn="ctr" defTabSz="914400" rtl="0" eaLnBrk="1" fontAlgn="auto" latinLnBrk="0" hangingPunct="1">
+                        <a:lnSpc>
+                          <a:spcPct val="100000"/>
+                        </a:lnSpc>
+                        <a:spcBef>
+                          <a:spcPts val="0"/>
+                        </a:spcBef>
+                        <a:spcAft>
+                          <a:spcPts val="0"/>
+                        </a:spcAft>
+                        <a:buClrTx/>
+                        <a:buSzTx/>
+                        <a:buFontTx/>
+                        <a:buNone/>
+                        <a:tabLst/>
+                        <a:defRPr/>
+                      </a:pPr>
+                      <a:r>
+                        <a:rPr lang="en-US" dirty="0" smtClean="0"/>
+                        <a:t>white countries</a:t>
+                      </a:r>
+                    </a:p>
+                  </a:txBody>
+                  <a:tcPr/>
+                </a:tc>
+                <a:tc>
+                  <a:txBody>
+                    <a:bodyPr/>
+                    <a:lstStyle/>
+                    <a:p>
+                      <a:pPr algn="ctr"/>
+                      <a:r>
+                        <a:rPr lang="en-US" dirty="0" smtClean="0"/>
+                        <a:t>white people white</a:t>
+                      </a:r>
+                    </a:p>
+                  </a:txBody>
+                  <a:tcPr/>
+                </a:tc>
+              </a:tr>
+              <a:tr h="370840">
+                <a:tc>
+                  <a:txBody>
+                    <a:bodyPr/>
+                    <a:lstStyle/>
+                    <a:p>
+                      <a:pPr marL="0" marR="0" indent="0" algn="ctr" defTabSz="914400" rtl="0" eaLnBrk="1" fontAlgn="auto" latinLnBrk="0" hangingPunct="1">
+                        <a:lnSpc>
+                          <a:spcPct val="100000"/>
+                        </a:lnSpc>
+                        <a:spcBef>
+                          <a:spcPts val="0"/>
+                        </a:spcBef>
+                        <a:spcAft>
+                          <a:spcPts val="0"/>
+                        </a:spcAft>
+                        <a:buClrTx/>
+                        <a:buSzTx/>
+                        <a:buFontTx/>
+                        <a:buNone/>
+                        <a:tabLst/>
+                        <a:defRPr/>
+                      </a:pPr>
+                      <a:r>
+                        <a:rPr lang="en-US" dirty="0" smtClean="0"/>
+                        <a:t>person </a:t>
+                      </a:r>
+                      <a:r>
+                        <a:rPr lang="en-US" dirty="0" err="1" smtClean="0"/>
+                        <a:t>i</a:t>
+                      </a:r>
+                      <a:endParaRPr lang="en-US" dirty="0" smtClean="0"/>
+                    </a:p>
+                  </a:txBody>
+                  <a:tcPr/>
+                </a:tc>
+                <a:tc>
+                  <a:txBody>
+                    <a:bodyPr/>
+                    <a:lstStyle/>
+                    <a:p>
+                      <a:pPr algn="ctr"/>
+                      <a:r>
+                        <a:rPr lang="en-US" dirty="0" smtClean="0"/>
+                        <a:t>racist people fucking</a:t>
+                      </a:r>
+                    </a:p>
+                  </a:txBody>
+                  <a:tcPr/>
+                </a:tc>
+              </a:tr>
+              <a:tr h="370840">
+                <a:tc>
+                  <a:txBody>
+                    <a:bodyPr/>
+                    <a:lstStyle/>
+                    <a:p>
+                      <a:pPr marL="0" marR="0" indent="0" algn="ctr" defTabSz="914400" rtl="0" eaLnBrk="1" fontAlgn="auto" latinLnBrk="0" hangingPunct="1">
+                        <a:lnSpc>
+                          <a:spcPct val="100000"/>
+                        </a:lnSpc>
+                        <a:spcBef>
+                          <a:spcPts val="0"/>
+                        </a:spcBef>
+                        <a:spcAft>
+                          <a:spcPts val="0"/>
+                        </a:spcAft>
+                        <a:buClrTx/>
+                        <a:buSzTx/>
+                        <a:buFontTx/>
+                        <a:buNone/>
+                        <a:tabLst/>
+                        <a:defRPr/>
+                      </a:pPr>
+                      <a:r>
+                        <a:rPr lang="en-US" dirty="0" smtClean="0"/>
+                        <a:t>white supremacist</a:t>
+                      </a:r>
+                    </a:p>
+                  </a:txBody>
+                  <a:tcPr/>
+                </a:tc>
+                <a:tc>
+                  <a:txBody>
+                    <a:bodyPr/>
+                    <a:lstStyle/>
+                    <a:p>
+                      <a:pPr algn="ctr"/>
+                      <a:r>
+                        <a:rPr lang="en-US" dirty="0" smtClean="0"/>
+                        <a:t>countries got to</a:t>
+                      </a:r>
+                    </a:p>
+                  </a:txBody>
+                  <a:tcPr/>
+                </a:tc>
+              </a:tr>
+              <a:tr h="370840">
+                <a:tc>
+                  <a:txBody>
+                    <a:bodyPr/>
+                    <a:lstStyle/>
+                    <a:p>
+                      <a:pPr marL="0" marR="0" indent="0" algn="ctr" defTabSz="914400" rtl="0" eaLnBrk="1" fontAlgn="auto" latinLnBrk="0" hangingPunct="1">
+                        <a:lnSpc>
+                          <a:spcPct val="100000"/>
+                        </a:lnSpc>
+                        <a:spcBef>
+                          <a:spcPts val="0"/>
+                        </a:spcBef>
+                        <a:spcAft>
+                          <a:spcPts val="0"/>
+                        </a:spcAft>
+                        <a:buClrTx/>
+                        <a:buSzTx/>
+                        <a:buFontTx/>
+                        <a:buNone/>
+                        <a:tabLst/>
+                        <a:defRPr/>
+                      </a:pPr>
+                      <a:r>
+                        <a:rPr lang="en-US" dirty="0" smtClean="0"/>
+                        <a:t>white men</a:t>
+                      </a:r>
+                    </a:p>
+                  </a:txBody>
+                  <a:tcPr/>
+                </a:tc>
+                <a:tc>
+                  <a:txBody>
+                    <a:bodyPr/>
+                    <a:lstStyle/>
+                    <a:p>
+                      <a:pPr algn="ctr"/>
+                      <a:r>
+                        <a:rPr lang="en-US" dirty="0" smtClean="0"/>
+                        <a:t>countries expected forget</a:t>
+                      </a:r>
+                    </a:p>
+                  </a:txBody>
+                  <a:tcPr/>
+                </a:tc>
+              </a:tr>
+              <a:tr h="370840">
+                <a:tc>
+                  <a:txBody>
+                    <a:bodyPr/>
+                    <a:lstStyle/>
+                    <a:p>
+                      <a:pPr marL="0" marR="0" indent="0" algn="ctr" defTabSz="914400" rtl="0" eaLnBrk="1" fontAlgn="auto" latinLnBrk="0" hangingPunct="1">
+                        <a:lnSpc>
+                          <a:spcPct val="100000"/>
+                        </a:lnSpc>
+                        <a:spcBef>
+                          <a:spcPts val="0"/>
+                        </a:spcBef>
+                        <a:spcAft>
+                          <a:spcPts val="0"/>
+                        </a:spcAft>
+                        <a:buClrTx/>
+                        <a:buSzTx/>
+                        <a:buFontTx/>
+                        <a:buNone/>
+                        <a:tabLst/>
+                        <a:defRPr/>
+                      </a:pPr>
+                      <a:r>
+                        <a:rPr lang="en-US" dirty="0" smtClean="0"/>
+                        <a:t>we re</a:t>
+                      </a:r>
+                    </a:p>
+                  </a:txBody>
+                  <a:tcPr/>
+                </a:tc>
+                <a:tc>
+                  <a:txBody>
+                    <a:bodyPr/>
+                    <a:lstStyle/>
+                    <a:p>
+                      <a:pPr marL="0" marR="0" indent="0" algn="ctr" defTabSz="914400" rtl="0" eaLnBrk="1" fontAlgn="auto" latinLnBrk="0" hangingPunct="1">
+                        <a:lnSpc>
+                          <a:spcPct val="100000"/>
+                        </a:lnSpc>
+                        <a:spcBef>
+                          <a:spcPts val="0"/>
+                        </a:spcBef>
+                        <a:spcAft>
+                          <a:spcPts val="0"/>
+                        </a:spcAft>
+                        <a:buClrTx/>
+                        <a:buSzTx/>
+                        <a:buFontTx/>
+                        <a:buNone/>
+                        <a:tabLst/>
+                        <a:defRPr/>
+                      </a:pPr>
+                      <a:r>
+                        <a:rPr lang="en-US" dirty="0" smtClean="0"/>
+                        <a:t>could find </a:t>
+                      </a:r>
+                      <a:r>
+                        <a:rPr lang="en-US" dirty="0" err="1" smtClean="0"/>
+                        <a:t>urdu</a:t>
+                      </a:r>
+                      <a:endParaRPr lang="en-US" dirty="0" smtClean="0"/>
+                    </a:p>
+                  </a:txBody>
+                  <a:tcPr/>
+                </a:tc>
+              </a:tr>
+            </a:tbl>
+          </a:graphicData>
+        </a:graphic>
+      </p:graphicFrame>
+    </p:spTree>
+    <p:extLst>
+      <p:ext uri="{BB962C8B-B14F-4D97-AF65-F5344CB8AC3E}">
+        <p14:creationId xmlns:p14="http://schemas.microsoft.com/office/powerpoint/2010/main" val="716535569"/>
+      </p:ext>
+    </p:extLst>
+  </p:cSld>
+  <p:clrMapOvr>
+    <a:masterClrMapping/>
+  </p:clrMapOvr>
+</p:sld>
+</file>
+
+<file path=ppt/slides/slide7.xml><?xml version="1.0" encoding="utf-8"?>
+<p:sld xmlns:a="http://schemas.openxmlformats.org/drawingml/2006/main" xmlns:r="http://schemas.openxmlformats.org/officeDocument/2006/relationships" xmlns:p="http://schemas.openxmlformats.org/presentationml/2006/main">
+  <p:cSld>
+    <p:spTree>
+      <p:nvGrpSpPr>
+        <p:cNvPr id="1" name=""/>
+        <p:cNvGrpSpPr/>
+        <p:nvPr/>
+      </p:nvGrpSpPr>
+      <p:grpSpPr>
+        <a:xfrm>
+          <a:off x="0" y="0"/>
+          <a:ext cx="0" cy="0"/>
+          <a:chOff x="0" y="0"/>
+          <a:chExt cx="0" cy="0"/>
+        </a:xfrm>
+      </p:grpSpPr>
+      <p:sp>
+        <p:nvSpPr>
+          <p:cNvPr id="2" name="Title 1"/>
+          <p:cNvSpPr>
+            <a:spLocks noGrp="1"/>
+          </p:cNvSpPr>
+          <p:nvPr>
+            <p:ph type="title"/>
+          </p:nvPr>
+        </p:nvSpPr>
+        <p:spPr/>
+        <p:txBody>
+          <a:bodyPr/>
+          <a:lstStyle/>
+          <a:p>
+            <a:r>
+              <a:rPr lang="en-US" dirty="0" smtClean="0"/>
               <a:t>Neutral Gabs</a:t>
             </a:r>
             <a:endParaRPr lang="en-US" dirty="0"/>
@@ -4648,7 +5324,7 @@
 </p:sld>
 </file>
 
-<file path=ppt/slides/slide7.xml><?xml version="1.0" encoding="utf-8"?>
+<file path=ppt/slides/slide8.xml><?xml version="1.0" encoding="utf-8"?>
 <p:sld xmlns:a="http://schemas.openxmlformats.org/drawingml/2006/main" xmlns:r="http://schemas.openxmlformats.org/officeDocument/2006/relationships" xmlns:p="http://schemas.openxmlformats.org/presentationml/2006/main">
   <p:cSld>
     <p:spTree>
@@ -4730,7 +5406,7 @@
 </p:sld>
 </file>
 
-<file path=ppt/slides/slide8.xml><?xml version="1.0" encoding="utf-8"?>
+<file path=ppt/slides/slide9.xml><?xml version="1.0" encoding="utf-8"?>
 <p:sld xmlns:a="http://schemas.openxmlformats.org/drawingml/2006/main" xmlns:r="http://schemas.openxmlformats.org/officeDocument/2006/relationships" xmlns:p="http://schemas.openxmlformats.org/presentationml/2006/main">
   <p:cSld>
     <p:spTree>
@@ -4803,88 +5479,6 @@
     <p:extLst>
       <p:ext uri="{BB962C8B-B14F-4D97-AF65-F5344CB8AC3E}">
         <p14:creationId xmlns:p14="http://schemas.microsoft.com/office/powerpoint/2010/main" val="112349249"/>
-      </p:ext>
-    </p:extLst>
-  </p:cSld>
-  <p:clrMapOvr>
-    <a:masterClrMapping/>
-  </p:clrMapOvr>
-</p:sld>
-</file>
-
-<file path=ppt/slides/slide9.xml><?xml version="1.0" encoding="utf-8"?>
-<p:sld xmlns:a="http://schemas.openxmlformats.org/drawingml/2006/main" xmlns:r="http://schemas.openxmlformats.org/officeDocument/2006/relationships" xmlns:p="http://schemas.openxmlformats.org/presentationml/2006/main">
-  <p:cSld>
-    <p:spTree>
-      <p:nvGrpSpPr>
-        <p:cNvPr id="1" name=""/>
-        <p:cNvGrpSpPr/>
-        <p:nvPr/>
-      </p:nvGrpSpPr>
-      <p:grpSpPr>
-        <a:xfrm>
-          <a:off x="0" y="0"/>
-          <a:ext cx="0" cy="0"/>
-          <a:chOff x="0" y="0"/>
-          <a:chExt cx="0" cy="0"/>
-        </a:xfrm>
-      </p:grpSpPr>
-      <p:sp>
-        <p:nvSpPr>
-          <p:cNvPr id="2" name="Title 1"/>
-          <p:cNvSpPr>
-            <a:spLocks noGrp="1"/>
-          </p:cNvSpPr>
-          <p:nvPr>
-            <p:ph type="title"/>
-          </p:nvPr>
-        </p:nvSpPr>
-        <p:spPr/>
-        <p:txBody>
-          <a:bodyPr/>
-          <a:lstStyle/>
-          <a:p>
-            <a:r>
-              <a:rPr lang="en-US" dirty="0" smtClean="0"/>
-              <a:t>Offensive Gabs</a:t>
-            </a:r>
-            <a:endParaRPr lang="en-US" dirty="0"/>
-          </a:p>
-        </p:txBody>
-      </p:sp>
-      <p:pic>
-        <p:nvPicPr>
-          <p:cNvPr id="4" name="Content Placeholder 3"/>
-          <p:cNvPicPr>
-            <a:picLocks noGrp="1" noChangeAspect="1"/>
-          </p:cNvPicPr>
-          <p:nvPr>
-            <p:ph idx="1"/>
-          </p:nvPr>
-        </p:nvPicPr>
-        <p:blipFill>
-          <a:blip r:embed="rId2">
-            <a:extLst>
-              <a:ext uri="{28A0092B-C50C-407E-A947-70E740481C1C}">
-                <a14:useLocalDpi xmlns:a14="http://schemas.microsoft.com/office/drawing/2010/main" val="0"/>
-              </a:ext>
-            </a:extLst>
-          </a:blip>
-          <a:stretch>
-            <a:fillRect/>
-          </a:stretch>
-        </p:blipFill>
-        <p:spPr>
-          <a:xfrm>
-            <a:off x="1995898" y="1323911"/>
-            <a:ext cx="9223482" cy="5534089"/>
-          </a:xfrm>
-        </p:spPr>
-      </p:pic>
-    </p:spTree>
-    <p:extLst>
-      <p:ext uri="{BB962C8B-B14F-4D97-AF65-F5344CB8AC3E}">
-        <p14:creationId xmlns:p14="http://schemas.microsoft.com/office/powerpoint/2010/main" val="993522769"/>
       </p:ext>
     </p:extLst>
   </p:cSld>
